--- a/M. J. Darad # 1620520042/465_final_project.pptx
+++ b/M. J. Darad # 1620520042/465_final_project.pptx
@@ -16829,7 +16829,7 @@
             <a:tbl>
               <a:tblPr>
                 <a:noFill/>
-                <a:tableStyleId>{16A5245D-860F-49FB-A0E4-7202F0B4EA05}</a:tableStyleId>
+                <a:tableStyleId>{AE6A73BB-C0CD-4FBE-8F25-A2435D55ADE0}</a:tableStyleId>
               </a:tblPr>
               <a:tblGrid>
                 <a:gridCol w="1960000"/>
@@ -23073,7 +23073,7 @@
             <a:tbl>
               <a:tblPr>
                 <a:noFill/>
-                <a:tableStyleId>{93A51538-8977-4808-91A3-DA27A6A06097}</a:tableStyleId>
+                <a:tableStyleId>{4D021EB0-5C32-435B-B67E-5D83B5CD39D2}</a:tableStyleId>
               </a:tblPr>
               <a:tblGrid>
                 <a:gridCol w="3619500"/>
@@ -23159,10 +23159,18 @@
                         <a:buNone/>
                       </a:pPr>
                       <a:r>
-                        <a:rPr lang="en"/>
+                        <a:rPr lang="en">
+                          <a:solidFill>
+                            <a:srgbClr val="FFFFFF"/>
+                          </a:solidFill>
+                        </a:rPr>
                         <a:t>Vanilla Neural Network</a:t>
                       </a:r>
-                      <a:endParaRPr/>
+                      <a:endParaRPr>
+                        <a:solidFill>
+                          <a:srgbClr val="FFFFFF"/>
+                        </a:solidFill>
+                      </a:endParaRPr>
                     </a:p>
                   </a:txBody>
                   <a:tcPr marT="91425" marB="91425" marR="91425" marL="91425"/>
@@ -23182,10 +23190,18 @@
                         <a:buNone/>
                       </a:pPr>
                       <a:r>
-                        <a:rPr lang="en"/>
+                        <a:rPr lang="en">
+                          <a:solidFill>
+                            <a:srgbClr val="FFFFFF"/>
+                          </a:solidFill>
+                        </a:rPr>
                         <a:t>0.484</a:t>
                       </a:r>
-                      <a:endParaRPr/>
+                      <a:endParaRPr>
+                        <a:solidFill>
+                          <a:srgbClr val="FFFFFF"/>
+                        </a:solidFill>
+                      </a:endParaRPr>
                     </a:p>
                   </a:txBody>
                   <a:tcPr marT="91425" marB="91425" marR="91425" marL="91425"/>
@@ -23207,10 +23223,18 @@
                         <a:buNone/>
                       </a:pPr>
                       <a:r>
-                        <a:rPr lang="en"/>
+                        <a:rPr lang="en">
+                          <a:solidFill>
+                            <a:srgbClr val="FFFFFF"/>
+                          </a:solidFill>
+                        </a:rPr>
                         <a:t>Vanilla NN with Hidden Layer</a:t>
                       </a:r>
-                      <a:endParaRPr/>
+                      <a:endParaRPr>
+                        <a:solidFill>
+                          <a:srgbClr val="FFFFFF"/>
+                        </a:solidFill>
+                      </a:endParaRPr>
                     </a:p>
                   </a:txBody>
                   <a:tcPr marT="91425" marB="91425" marR="91425" marL="91425"/>
@@ -23230,10 +23254,18 @@
                         <a:buNone/>
                       </a:pPr>
                       <a:r>
-                        <a:rPr lang="en"/>
+                        <a:rPr lang="en">
+                          <a:solidFill>
+                            <a:srgbClr val="FFFFFF"/>
+                          </a:solidFill>
+                        </a:rPr>
                         <a:t>0.518</a:t>
                       </a:r>
-                      <a:endParaRPr/>
+                      <a:endParaRPr>
+                        <a:solidFill>
+                          <a:srgbClr val="FFFFFF"/>
+                        </a:solidFill>
+                      </a:endParaRPr>
                     </a:p>
                   </a:txBody>
                   <a:tcPr marT="91425" marB="91425" marR="91425" marL="91425"/>
@@ -23255,10 +23287,18 @@
                         <a:buNone/>
                       </a:pPr>
                       <a:r>
-                        <a:rPr lang="en"/>
+                        <a:rPr lang="en">
+                          <a:solidFill>
+                            <a:srgbClr val="FFFFFF"/>
+                          </a:solidFill>
+                        </a:rPr>
                         <a:t>Decision Tree</a:t>
                       </a:r>
-                      <a:endParaRPr/>
+                      <a:endParaRPr>
+                        <a:solidFill>
+                          <a:srgbClr val="FFFFFF"/>
+                        </a:solidFill>
+                      </a:endParaRPr>
                     </a:p>
                   </a:txBody>
                   <a:tcPr marT="91425" marB="91425" marR="91425" marL="91425"/>
@@ -23278,10 +23318,18 @@
                         <a:buNone/>
                       </a:pPr>
                       <a:r>
-                        <a:rPr lang="en"/>
+                        <a:rPr lang="en">
+                          <a:solidFill>
+                            <a:srgbClr val="FFFFFF"/>
+                          </a:solidFill>
+                        </a:rPr>
                         <a:t>0.508</a:t>
                       </a:r>
-                      <a:endParaRPr/>
+                      <a:endParaRPr>
+                        <a:solidFill>
+                          <a:srgbClr val="FFFFFF"/>
+                        </a:solidFill>
+                      </a:endParaRPr>
                     </a:p>
                   </a:txBody>
                   <a:tcPr marT="91425" marB="91425" marR="91425" marL="91425"/>
@@ -23303,10 +23351,18 @@
                         <a:buNone/>
                       </a:pPr>
                       <a:r>
-                        <a:rPr lang="en"/>
+                        <a:rPr lang="en">
+                          <a:solidFill>
+                            <a:srgbClr val="FFFFFF"/>
+                          </a:solidFill>
+                        </a:rPr>
                         <a:t>Random Forest</a:t>
                       </a:r>
-                      <a:endParaRPr/>
+                      <a:endParaRPr>
+                        <a:solidFill>
+                          <a:srgbClr val="FFFFFF"/>
+                        </a:solidFill>
+                      </a:endParaRPr>
                     </a:p>
                   </a:txBody>
                   <a:tcPr marT="91425" marB="91425" marR="91425" marL="91425"/>
@@ -23359,10 +23415,18 @@
                         <a:buNone/>
                       </a:pPr>
                       <a:r>
-                        <a:rPr lang="en"/>
+                        <a:rPr lang="en">
+                          <a:solidFill>
+                            <a:srgbClr val="FFFFFF"/>
+                          </a:solidFill>
+                        </a:rPr>
                         <a:t>Support Vector Machine</a:t>
                       </a:r>
-                      <a:endParaRPr/>
+                      <a:endParaRPr>
+                        <a:solidFill>
+                          <a:srgbClr val="FFFFFF"/>
+                        </a:solidFill>
+                      </a:endParaRPr>
                     </a:p>
                   </a:txBody>
                   <a:tcPr marT="91425" marB="91425" marR="91425" marL="91425"/>
@@ -23382,10 +23446,18 @@
                         <a:buNone/>
                       </a:pPr>
                       <a:r>
-                        <a:rPr lang="en"/>
+                        <a:rPr lang="en">
+                          <a:solidFill>
+                            <a:srgbClr val="FFFFFF"/>
+                          </a:solidFill>
+                        </a:rPr>
                         <a:t>0.509</a:t>
                       </a:r>
-                      <a:endParaRPr/>
+                      <a:endParaRPr>
+                        <a:solidFill>
+                          <a:srgbClr val="FFFFFF"/>
+                        </a:solidFill>
+                      </a:endParaRPr>
                     </a:p>
                   </a:txBody>
                   <a:tcPr marT="91425" marB="91425" marR="91425" marL="91425"/>
@@ -23570,7 +23642,7 @@
             <a:tbl>
               <a:tblPr>
                 <a:noFill/>
-                <a:tableStyleId>{93A51538-8977-4808-91A3-DA27A6A06097}</a:tableStyleId>
+                <a:tableStyleId>{4D021EB0-5C32-435B-B67E-5D83B5CD39D2}</a:tableStyleId>
               </a:tblPr>
               <a:tblGrid>
                 <a:gridCol w="3619500"/>
@@ -23656,10 +23728,18 @@
                         <a:buNone/>
                       </a:pPr>
                       <a:r>
-                        <a:rPr lang="en"/>
+                        <a:rPr lang="en">
+                          <a:solidFill>
+                            <a:srgbClr val="FFFFFF"/>
+                          </a:solidFill>
+                        </a:rPr>
                         <a:t>CNN (2d)</a:t>
                       </a:r>
-                      <a:endParaRPr/>
+                      <a:endParaRPr>
+                        <a:solidFill>
+                          <a:srgbClr val="FFFFFF"/>
+                        </a:solidFill>
+                      </a:endParaRPr>
                     </a:p>
                   </a:txBody>
                   <a:tcPr marT="91425" marB="91425" marR="91425" marL="91425"/>
@@ -23679,10 +23759,18 @@
                         <a:buNone/>
                       </a:pPr>
                       <a:r>
-                        <a:rPr lang="en"/>
+                        <a:rPr lang="en">
+                          <a:solidFill>
+                            <a:srgbClr val="FFFFFF"/>
+                          </a:solidFill>
+                        </a:rPr>
                         <a:t>0.821</a:t>
                       </a:r>
-                      <a:endParaRPr/>
+                      <a:endParaRPr>
+                        <a:solidFill>
+                          <a:srgbClr val="FFFFFF"/>
+                        </a:solidFill>
+                      </a:endParaRPr>
                     </a:p>
                   </a:txBody>
                   <a:tcPr marT="91425" marB="91425" marR="91425" marL="91425"/>
@@ -23704,10 +23792,18 @@
                         <a:buNone/>
                       </a:pPr>
                       <a:r>
-                        <a:rPr lang="en"/>
+                        <a:rPr lang="en">
+                          <a:solidFill>
+                            <a:srgbClr val="FFFFFF"/>
+                          </a:solidFill>
+                        </a:rPr>
                         <a:t>CNN (VGG16)</a:t>
                       </a:r>
-                      <a:endParaRPr/>
+                      <a:endParaRPr>
+                        <a:solidFill>
+                          <a:srgbClr val="FFFFFF"/>
+                        </a:solidFill>
+                      </a:endParaRPr>
                     </a:p>
                   </a:txBody>
                   <a:tcPr marT="91425" marB="91425" marR="91425" marL="91425"/>
@@ -23727,10 +23823,18 @@
                         <a:buNone/>
                       </a:pPr>
                       <a:r>
-                        <a:rPr lang="en"/>
+                        <a:rPr lang="en">
+                          <a:solidFill>
+                            <a:srgbClr val="FFFFFF"/>
+                          </a:solidFill>
+                        </a:rPr>
                         <a:t>0.863</a:t>
                       </a:r>
-                      <a:endParaRPr/>
+                      <a:endParaRPr>
+                        <a:solidFill>
+                          <a:srgbClr val="FFFFFF"/>
+                        </a:solidFill>
+                      </a:endParaRPr>
                     </a:p>
                   </a:txBody>
                   <a:tcPr marT="91425" marB="91425" marR="91425" marL="91425"/>
@@ -23752,10 +23856,18 @@
                         <a:buNone/>
                       </a:pPr>
                       <a:r>
-                        <a:rPr lang="en"/>
+                        <a:rPr lang="en">
+                          <a:solidFill>
+                            <a:srgbClr val="FFFFFF"/>
+                          </a:solidFill>
+                        </a:rPr>
                         <a:t>Logistic Regression</a:t>
                       </a:r>
-                      <a:endParaRPr/>
+                      <a:endParaRPr>
+                        <a:solidFill>
+                          <a:srgbClr val="FFFFFF"/>
+                        </a:solidFill>
+                      </a:endParaRPr>
                     </a:p>
                   </a:txBody>
                   <a:tcPr marT="91425" marB="91425" marR="91425" marL="91425"/>
@@ -23775,10 +23887,18 @@
                         <a:buNone/>
                       </a:pPr>
                       <a:r>
-                        <a:rPr lang="en"/>
+                        <a:rPr lang="en">
+                          <a:solidFill>
+                            <a:srgbClr val="FFFFFF"/>
+                          </a:solidFill>
+                        </a:rPr>
                         <a:t>0.700</a:t>
                       </a:r>
-                      <a:endParaRPr/>
+                      <a:endParaRPr>
+                        <a:solidFill>
+                          <a:srgbClr val="FFFFFF"/>
+                        </a:solidFill>
+                      </a:endParaRPr>
                     </a:p>
                   </a:txBody>
                   <a:tcPr marT="91425" marB="91425" marR="91425" marL="91425"/>
@@ -23800,10 +23920,18 @@
                         <a:buNone/>
                       </a:pPr>
                       <a:r>
-                        <a:rPr lang="en"/>
+                        <a:rPr lang="en">
+                          <a:solidFill>
+                            <a:srgbClr val="FFFFFF"/>
+                          </a:solidFill>
+                        </a:rPr>
                         <a:t>Support Vector Machine</a:t>
                       </a:r>
-                      <a:endParaRPr/>
+                      <a:endParaRPr>
+                        <a:solidFill>
+                          <a:srgbClr val="FFFFFF"/>
+                        </a:solidFill>
+                      </a:endParaRPr>
                     </a:p>
                   </a:txBody>
                   <a:tcPr marT="91425" marB="91425" marR="91425" marL="91425">
@@ -23833,7 +23961,11 @@
                         <a:buNone/>
                       </a:pPr>
                       <a:r>
-                        <a:rPr lang="en"/>
+                        <a:rPr lang="en">
+                          <a:solidFill>
+                            <a:srgbClr val="FFFFFF"/>
+                          </a:solidFill>
+                        </a:rPr>
                         <a:t>0.762</a:t>
                       </a:r>
                       <a:endParaRPr>
@@ -23872,10 +24004,18 @@
                         <a:buNone/>
                       </a:pPr>
                       <a:r>
-                        <a:rPr lang="en"/>
+                        <a:rPr lang="en">
+                          <a:solidFill>
+                            <a:srgbClr val="FFFFFF"/>
+                          </a:solidFill>
+                        </a:rPr>
                         <a:t>Random Forest</a:t>
                       </a:r>
-                      <a:endParaRPr/>
+                      <a:endParaRPr>
+                        <a:solidFill>
+                          <a:srgbClr val="FFFFFF"/>
+                        </a:solidFill>
+                      </a:endParaRPr>
                     </a:p>
                   </a:txBody>
                   <a:tcPr marT="91425" marB="91425" marR="91425" marL="91425">
